--- a/项目策划/概念图0904.pptx
+++ b/项目策划/概念图0904.pptx
@@ -206,7 +206,7 @@
           <a:p>
             <a:fld id="{F02B14F4-108D-455F-A99E-21963D859E39}" type="datetimeFigureOut">
               <a:rPr lang="zh-CN" altLang="en-US" smtClean="0"/>
-              <a:t>2025/9/4</a:t>
+              <a:t>2025/10/22</a:t>
             </a:fld>
             <a:endParaRPr lang="zh-CN" altLang="en-US"/>
           </a:p>
@@ -597,7 +597,7 @@
           <a:p>
             <a:fld id="{0DB91539-990F-4D47-B999-CE20A4D9F7C4}" type="datetimeFigureOut">
               <a:rPr lang="zh-CN" altLang="en-US" smtClean="0"/>
-              <a:t>2025/9/4</a:t>
+              <a:t>2025/10/22</a:t>
             </a:fld>
             <a:endParaRPr lang="zh-CN" altLang="en-US"/>
           </a:p>
@@ -760,7 +760,7 @@
           <a:p>
             <a:fld id="{0DB91539-990F-4D47-B999-CE20A4D9F7C4}" type="datetimeFigureOut">
               <a:rPr lang="zh-CN" altLang="en-US" smtClean="0"/>
-              <a:t>2025/9/4</a:t>
+              <a:t>2025/10/22</a:t>
             </a:fld>
             <a:endParaRPr lang="zh-CN" altLang="en-US"/>
           </a:p>
@@ -933,7 +933,7 @@
           <a:p>
             <a:fld id="{0DB91539-990F-4D47-B999-CE20A4D9F7C4}" type="datetimeFigureOut">
               <a:rPr lang="zh-CN" altLang="en-US" smtClean="0"/>
-              <a:t>2025/9/4</a:t>
+              <a:t>2025/10/22</a:t>
             </a:fld>
             <a:endParaRPr lang="zh-CN" altLang="en-US"/>
           </a:p>
@@ -1096,7 +1096,7 @@
           <a:p>
             <a:fld id="{0DB91539-990F-4D47-B999-CE20A4D9F7C4}" type="datetimeFigureOut">
               <a:rPr lang="zh-CN" altLang="en-US" smtClean="0"/>
-              <a:t>2025/9/4</a:t>
+              <a:t>2025/10/22</a:t>
             </a:fld>
             <a:endParaRPr lang="zh-CN" altLang="en-US"/>
           </a:p>
@@ -1336,7 +1336,7 @@
           <a:p>
             <a:fld id="{0DB91539-990F-4D47-B999-CE20A4D9F7C4}" type="datetimeFigureOut">
               <a:rPr lang="zh-CN" altLang="en-US" smtClean="0"/>
-              <a:t>2025/9/4</a:t>
+              <a:t>2025/10/22</a:t>
             </a:fld>
             <a:endParaRPr lang="zh-CN" altLang="en-US"/>
           </a:p>
@@ -1560,7 +1560,7 @@
           <a:p>
             <a:fld id="{0DB91539-990F-4D47-B999-CE20A4D9F7C4}" type="datetimeFigureOut">
               <a:rPr lang="zh-CN" altLang="en-US" smtClean="0"/>
-              <a:t>2025/9/4</a:t>
+              <a:t>2025/10/22</a:t>
             </a:fld>
             <a:endParaRPr lang="zh-CN" altLang="en-US"/>
           </a:p>
@@ -1919,7 +1919,7 @@
           <a:p>
             <a:fld id="{0DB91539-990F-4D47-B999-CE20A4D9F7C4}" type="datetimeFigureOut">
               <a:rPr lang="zh-CN" altLang="en-US" smtClean="0"/>
-              <a:t>2025/9/4</a:t>
+              <a:t>2025/10/22</a:t>
             </a:fld>
             <a:endParaRPr lang="zh-CN" altLang="en-US"/>
           </a:p>
@@ -2031,7 +2031,7 @@
           <a:p>
             <a:fld id="{0DB91539-990F-4D47-B999-CE20A4D9F7C4}" type="datetimeFigureOut">
               <a:rPr lang="zh-CN" altLang="en-US" smtClean="0"/>
-              <a:t>2025/9/4</a:t>
+              <a:t>2025/10/22</a:t>
             </a:fld>
             <a:endParaRPr lang="zh-CN" altLang="en-US"/>
           </a:p>
@@ -2121,7 +2121,7 @@
           <a:p>
             <a:fld id="{0DB91539-990F-4D47-B999-CE20A4D9F7C4}" type="datetimeFigureOut">
               <a:rPr lang="zh-CN" altLang="en-US" smtClean="0"/>
-              <a:t>2025/9/4</a:t>
+              <a:t>2025/10/22</a:t>
             </a:fld>
             <a:endParaRPr lang="zh-CN" altLang="en-US"/>
           </a:p>
@@ -2391,7 +2391,7 @@
           <a:p>
             <a:fld id="{0DB91539-990F-4D47-B999-CE20A4D9F7C4}" type="datetimeFigureOut">
               <a:rPr lang="zh-CN" altLang="en-US" smtClean="0"/>
-              <a:t>2025/9/4</a:t>
+              <a:t>2025/10/22</a:t>
             </a:fld>
             <a:endParaRPr lang="zh-CN" altLang="en-US"/>
           </a:p>
@@ -2638,7 +2638,7 @@
           <a:p>
             <a:fld id="{0DB91539-990F-4D47-B999-CE20A4D9F7C4}" type="datetimeFigureOut">
               <a:rPr lang="zh-CN" altLang="en-US" smtClean="0"/>
-              <a:t>2025/9/4</a:t>
+              <a:t>2025/10/22</a:t>
             </a:fld>
             <a:endParaRPr lang="zh-CN" altLang="en-US"/>
           </a:p>
@@ -2844,7 +2844,7 @@
           <a:p>
             <a:fld id="{0DB91539-990F-4D47-B999-CE20A4D9F7C4}" type="datetimeFigureOut">
               <a:rPr lang="zh-CN" altLang="en-US" smtClean="0"/>
-              <a:t>2025/9/4</a:t>
+              <a:t>2025/10/22</a:t>
             </a:fld>
             <a:endParaRPr lang="zh-CN" altLang="en-US"/>
           </a:p>
@@ -3496,7 +3496,7 @@
                   <a:schemeClr val="tx1"/>
                 </a:solidFill>
               </a:rPr>
-              <a:t>车位（放个车）</a:t>
+              <a:t>配车间</a:t>
             </a:r>
           </a:p>
         </p:txBody>
@@ -3827,7 +3827,7 @@
           <a:noFill/>
         </p:spPr>
         <p:txBody>
-          <a:bodyPr wrap="none" rtlCol="0">
+          <a:bodyPr wrap="square" rtlCol="0">
             <a:spAutoFit/>
           </a:bodyPr>
           <a:lstStyle/>
@@ -3891,6 +3891,67 @@
                 <a:schemeClr val="tx1"/>
               </a:solidFill>
             </a:endParaRPr>
+          </a:p>
+        </p:txBody>
+      </p:sp>
+      <p:sp>
+        <p:nvSpPr>
+          <p:cNvPr id="16" name="圆角矩形 11">
+            <a:extLst>
+              <a:ext uri="{FF2B5EF4-FFF2-40B4-BE49-F238E27FC236}">
+                <a16:creationId xmlns:a16="http://schemas.microsoft.com/office/drawing/2014/main" id="{9639B175-0116-49B6-B676-CD726B5C45BD}"/>
+              </a:ext>
+            </a:extLst>
+          </p:cNvPr>
+          <p:cNvSpPr/>
+          <p:nvPr/>
+        </p:nvSpPr>
+        <p:spPr>
+          <a:xfrm>
+            <a:off x="3959941" y="3378992"/>
+            <a:ext cx="1166070" cy="597939"/>
+          </a:xfrm>
+          <a:prstGeom prst="roundRect">
+            <a:avLst/>
+          </a:prstGeom>
+          <a:solidFill>
+            <a:schemeClr val="bg2"/>
+          </a:solidFill>
+          <a:ln>
+            <a:solidFill>
+              <a:schemeClr val="tx1"/>
+            </a:solidFill>
+          </a:ln>
+        </p:spPr>
+        <p:style>
+          <a:lnRef idx="2">
+            <a:schemeClr val="accent1">
+              <a:shade val="50000"/>
+            </a:schemeClr>
+          </a:lnRef>
+          <a:fillRef idx="1">
+            <a:schemeClr val="accent1"/>
+          </a:fillRef>
+          <a:effectRef idx="0">
+            <a:schemeClr val="accent1"/>
+          </a:effectRef>
+          <a:fontRef idx="minor">
+            <a:schemeClr val="lt1"/>
+          </a:fontRef>
+        </p:style>
+        <p:txBody>
+          <a:bodyPr rtlCol="0" anchor="ctr"/>
+          <a:lstStyle/>
+          <a:p>
+            <a:pPr algn="ctr"/>
+            <a:r>
+              <a:rPr lang="zh-CN" altLang="en-US" sz="1100" dirty="0">
+                <a:solidFill>
+                  <a:schemeClr val="tx1"/>
+                </a:solidFill>
+              </a:rPr>
+              <a:t>用于存档的东西（自行想象）</a:t>
+            </a:r>
           </a:p>
         </p:txBody>
       </p:sp>
